--- a/다이나믹 프로그래밍/10.15(일) 스터디.pptx
+++ b/다이나믹 프로그래밍/10.15(일) 스터디.pptx
@@ -5,20 +5,19 @@
     <p:sldMasterId id="2147483660" r:id="rId1"/>
   </p:sldMasterIdLst>
   <p:notesMasterIdLst>
-    <p:notesMasterId r:id="rId13"/>
+    <p:notesMasterId r:id="rId12"/>
   </p:notesMasterIdLst>
   <p:sldIdLst>
     <p:sldId id="257" r:id="rId2"/>
     <p:sldId id="261" r:id="rId3"/>
     <p:sldId id="256" r:id="rId4"/>
-    <p:sldId id="258" r:id="rId5"/>
-    <p:sldId id="259" r:id="rId6"/>
-    <p:sldId id="260" r:id="rId7"/>
-    <p:sldId id="262" r:id="rId8"/>
-    <p:sldId id="263" r:id="rId9"/>
-    <p:sldId id="264" r:id="rId10"/>
-    <p:sldId id="265" r:id="rId11"/>
-    <p:sldId id="266" r:id="rId12"/>
+    <p:sldId id="259" r:id="rId5"/>
+    <p:sldId id="260" r:id="rId6"/>
+    <p:sldId id="262" r:id="rId7"/>
+    <p:sldId id="263" r:id="rId8"/>
+    <p:sldId id="264" r:id="rId9"/>
+    <p:sldId id="265" r:id="rId10"/>
+    <p:sldId id="266" r:id="rId11"/>
   </p:sldIdLst>
   <p:sldSz cx="6858000" cy="9906000" type="A4"/>
   <p:notesSz cx="6858000" cy="9144000"/>
@@ -129,7 +128,6 @@
           <p14:sldIdLst>
             <p14:sldId id="261"/>
             <p14:sldId id="256"/>
-            <p14:sldId id="258"/>
           </p14:sldIdLst>
         </p14:section>
         <p14:section name="연속합" id="{DD7B035B-E73C-4D02-AB26-5A77CA34CA33}">
@@ -163,6 +161,22 @@
 <file path=ppt/changesInfos/changesInfo1.xml><?xml version="1.0" encoding="utf-8"?>
 <pc:chgInfo xmlns:a="http://schemas.openxmlformats.org/drawingml/2006/main" xmlns:r="http://schemas.openxmlformats.org/officeDocument/2006/relationships" xmlns:ac="http://schemas.microsoft.com/office/drawing/2013/main/command" xmlns:pc="http://schemas.microsoft.com/office/powerpoint/2013/main/command">
   <pc:docChgLst>
+    <pc:chgData name="JuYoung Song" userId="2ab62cc5c92b8695" providerId="LiveId" clId="{DD3DFE4E-FE4D-4FD2-A028-D077903093AB}"/>
+    <pc:docChg chg="delSld modSection">
+      <pc:chgData name="JuYoung Song" userId="2ab62cc5c92b8695" providerId="LiveId" clId="{DD3DFE4E-FE4D-4FD2-A028-D077903093AB}" dt="2023-11-17T08:28:40.714" v="0" actId="47"/>
+      <pc:docMkLst>
+        <pc:docMk/>
+      </pc:docMkLst>
+      <pc:sldChg chg="del">
+        <pc:chgData name="JuYoung Song" userId="2ab62cc5c92b8695" providerId="LiveId" clId="{DD3DFE4E-FE4D-4FD2-A028-D077903093AB}" dt="2023-11-17T08:28:40.714" v="0" actId="47"/>
+        <pc:sldMkLst>
+          <pc:docMk/>
+          <pc:sldMk cId="2677880729" sldId="258"/>
+        </pc:sldMkLst>
+      </pc:sldChg>
+    </pc:docChg>
+  </pc:docChgLst>
+  <pc:docChgLst>
     <pc:chgData userId="2ab62cc5c92b8695" providerId="LiveId" clId="{EBF9E410-E080-4A15-A322-57C8B96EC03E}"/>
     <pc:docChg chg="undo custSel addSld modSld sldOrd">
       <pc:chgData name="" userId="2ab62cc5c92b8695" providerId="LiveId" clId="{EBF9E410-E080-4A15-A322-57C8B96EC03E}" dt="2023-10-15T09:55:17.328" v="2423" actId="20577"/>
@@ -1061,7 +1075,7 @@
           <a:p>
             <a:fld id="{51996F91-98AE-4EE7-B48D-DECD90206C82}" type="datetimeFigureOut">
               <a:rPr lang="ko-KR" altLang="en-US" smtClean="0"/>
-              <a:t>2023-10-15</a:t>
+              <a:t>2023-11-17</a:t>
             </a:fld>
             <a:endParaRPr lang="ko-KR" altLang="en-US"/>
           </a:p>
@@ -1393,7 +1407,7 @@
           <a:p>
             <a:fld id="{81CDE9FF-60D5-4218-A929-C6EBCA9CEFE3}" type="slidenum">
               <a:rPr lang="ko-KR" altLang="en-US" smtClean="0"/>
-              <a:t>10</a:t>
+              <a:t>9</a:t>
             </a:fld>
             <a:endParaRPr lang="ko-KR" altLang="en-US"/>
           </a:p>
@@ -1543,7 +1557,7 @@
           <a:p>
             <a:fld id="{293B59D4-37CA-4A6D-A331-C40DB37986F1}" type="datetimeFigureOut">
               <a:rPr lang="ko-KR" altLang="en-US" smtClean="0"/>
-              <a:t>2023-10-15</a:t>
+              <a:t>2023-11-17</a:t>
             </a:fld>
             <a:endParaRPr lang="ko-KR" altLang="en-US"/>
           </a:p>
@@ -1713,7 +1727,7 @@
           <a:p>
             <a:fld id="{293B59D4-37CA-4A6D-A331-C40DB37986F1}" type="datetimeFigureOut">
               <a:rPr lang="ko-KR" altLang="en-US" smtClean="0"/>
-              <a:t>2023-10-15</a:t>
+              <a:t>2023-11-17</a:t>
             </a:fld>
             <a:endParaRPr lang="ko-KR" altLang="en-US"/>
           </a:p>
@@ -1893,7 +1907,7 @@
           <a:p>
             <a:fld id="{293B59D4-37CA-4A6D-A331-C40DB37986F1}" type="datetimeFigureOut">
               <a:rPr lang="ko-KR" altLang="en-US" smtClean="0"/>
-              <a:t>2023-10-15</a:t>
+              <a:t>2023-11-17</a:t>
             </a:fld>
             <a:endParaRPr lang="ko-KR" altLang="en-US"/>
           </a:p>
@@ -2063,7 +2077,7 @@
           <a:p>
             <a:fld id="{293B59D4-37CA-4A6D-A331-C40DB37986F1}" type="datetimeFigureOut">
               <a:rPr lang="ko-KR" altLang="en-US" smtClean="0"/>
-              <a:t>2023-10-15</a:t>
+              <a:t>2023-11-17</a:t>
             </a:fld>
             <a:endParaRPr lang="ko-KR" altLang="en-US"/>
           </a:p>
@@ -2307,7 +2321,7 @@
           <a:p>
             <a:fld id="{293B59D4-37CA-4A6D-A331-C40DB37986F1}" type="datetimeFigureOut">
               <a:rPr lang="ko-KR" altLang="en-US" smtClean="0"/>
-              <a:t>2023-10-15</a:t>
+              <a:t>2023-11-17</a:t>
             </a:fld>
             <a:endParaRPr lang="ko-KR" altLang="en-US"/>
           </a:p>
@@ -2539,7 +2553,7 @@
           <a:p>
             <a:fld id="{293B59D4-37CA-4A6D-A331-C40DB37986F1}" type="datetimeFigureOut">
               <a:rPr lang="ko-KR" altLang="en-US" smtClean="0"/>
-              <a:t>2023-10-15</a:t>
+              <a:t>2023-11-17</a:t>
             </a:fld>
             <a:endParaRPr lang="ko-KR" altLang="en-US"/>
           </a:p>
@@ -2906,7 +2920,7 @@
           <a:p>
             <a:fld id="{293B59D4-37CA-4A6D-A331-C40DB37986F1}" type="datetimeFigureOut">
               <a:rPr lang="ko-KR" altLang="en-US" smtClean="0"/>
-              <a:t>2023-10-15</a:t>
+              <a:t>2023-11-17</a:t>
             </a:fld>
             <a:endParaRPr lang="ko-KR" altLang="en-US"/>
           </a:p>
@@ -3024,7 +3038,7 @@
           <a:p>
             <a:fld id="{293B59D4-37CA-4A6D-A331-C40DB37986F1}" type="datetimeFigureOut">
               <a:rPr lang="ko-KR" altLang="en-US" smtClean="0"/>
-              <a:t>2023-10-15</a:t>
+              <a:t>2023-11-17</a:t>
             </a:fld>
             <a:endParaRPr lang="ko-KR" altLang="en-US"/>
           </a:p>
@@ -3119,7 +3133,7 @@
           <a:p>
             <a:fld id="{293B59D4-37CA-4A6D-A331-C40DB37986F1}" type="datetimeFigureOut">
               <a:rPr lang="ko-KR" altLang="en-US" smtClean="0"/>
-              <a:t>2023-10-15</a:t>
+              <a:t>2023-11-17</a:t>
             </a:fld>
             <a:endParaRPr lang="ko-KR" altLang="en-US"/>
           </a:p>
@@ -3396,7 +3410,7 @@
           <a:p>
             <a:fld id="{293B59D4-37CA-4A6D-A331-C40DB37986F1}" type="datetimeFigureOut">
               <a:rPr lang="ko-KR" altLang="en-US" smtClean="0"/>
-              <a:t>2023-10-15</a:t>
+              <a:t>2023-11-17</a:t>
             </a:fld>
             <a:endParaRPr lang="ko-KR" altLang="en-US"/>
           </a:p>
@@ -3653,7 +3667,7 @@
           <a:p>
             <a:fld id="{293B59D4-37CA-4A6D-A331-C40DB37986F1}" type="datetimeFigureOut">
               <a:rPr lang="ko-KR" altLang="en-US" smtClean="0"/>
-              <a:t>2023-10-15</a:t>
+              <a:t>2023-11-17</a:t>
             </a:fld>
             <a:endParaRPr lang="ko-KR" altLang="en-US"/>
           </a:p>
@@ -3866,7 +3880,7 @@
           <a:p>
             <a:fld id="{293B59D4-37CA-4A6D-A331-C40DB37986F1}" type="datetimeFigureOut">
               <a:rPr lang="ko-KR" altLang="en-US" smtClean="0"/>
-              <a:t>2023-10-15</a:t>
+              <a:t>2023-11-17</a:t>
             </a:fld>
             <a:endParaRPr lang="ko-KR" altLang="en-US"/>
           </a:p>
@@ -4414,430 +4428,6 @@
 </file>
 
 <file path=ppt/slides/slide10.xml><?xml version="1.0" encoding="utf-8"?>
-<p:sld xmlns:a="http://schemas.openxmlformats.org/drawingml/2006/main" xmlns:r="http://schemas.openxmlformats.org/officeDocument/2006/relationships" xmlns:p="http://schemas.openxmlformats.org/presentationml/2006/main">
-  <p:cSld>
-    <p:spTree>
-      <p:nvGrpSpPr>
-        <p:cNvPr id="1" name=""/>
-        <p:cNvGrpSpPr/>
-        <p:nvPr/>
-      </p:nvGrpSpPr>
-      <p:grpSpPr>
-        <a:xfrm>
-          <a:off x="0" y="0"/>
-          <a:ext cx="0" cy="0"/>
-          <a:chOff x="0" y="0"/>
-          <a:chExt cx="0" cy="0"/>
-        </a:xfrm>
-      </p:grpSpPr>
-      <p:pic>
-        <p:nvPicPr>
-          <p:cNvPr id="4" name="그림 3">
-            <a:extLst>
-              <a:ext uri="{FF2B5EF4-FFF2-40B4-BE49-F238E27FC236}">
-                <a16:creationId xmlns:a16="http://schemas.microsoft.com/office/drawing/2014/main" id="{3778F59C-F9D3-4F84-B26F-9C79BD015813}"/>
-              </a:ext>
-            </a:extLst>
-          </p:cNvPr>
-          <p:cNvPicPr>
-            <a:picLocks noChangeAspect="1"/>
-          </p:cNvPicPr>
-          <p:nvPr/>
-        </p:nvPicPr>
-        <p:blipFill rotWithShape="1">
-          <a:blip r:embed="rId3"/>
-          <a:srcRect t="1320"/>
-          <a:stretch/>
-        </p:blipFill>
-        <p:spPr>
-          <a:xfrm>
-            <a:off x="316448" y="521207"/>
-            <a:ext cx="5325218" cy="5659103"/>
-          </a:xfrm>
-          <a:prstGeom prst="rect">
-            <a:avLst/>
-          </a:prstGeom>
-        </p:spPr>
-      </p:pic>
-      <p:pic>
-        <p:nvPicPr>
-          <p:cNvPr id="5" name="그림 4">
-            <a:extLst>
-              <a:ext uri="{FF2B5EF4-FFF2-40B4-BE49-F238E27FC236}">
-                <a16:creationId xmlns:a16="http://schemas.microsoft.com/office/drawing/2014/main" id="{7CAF8964-D187-4EA8-BB52-A277B6508912}"/>
-              </a:ext>
-            </a:extLst>
-          </p:cNvPr>
-          <p:cNvPicPr>
-            <a:picLocks noChangeAspect="1"/>
-          </p:cNvPicPr>
-          <p:nvPr/>
-        </p:nvPicPr>
-        <p:blipFill rotWithShape="1">
-          <a:blip r:embed="rId4"/>
-          <a:srcRect b="36127"/>
-          <a:stretch/>
-        </p:blipFill>
-        <p:spPr>
-          <a:xfrm>
-            <a:off x="1623671" y="4087286"/>
-            <a:ext cx="5234329" cy="2358910"/>
-          </a:xfrm>
-          <a:prstGeom prst="rect">
-            <a:avLst/>
-          </a:prstGeom>
-          <a:ln>
-            <a:solidFill>
-              <a:schemeClr val="tx1"/>
-            </a:solidFill>
-          </a:ln>
-        </p:spPr>
-      </p:pic>
-      <p:grpSp>
-        <p:nvGrpSpPr>
-          <p:cNvPr id="14" name="그룹 13">
-            <a:extLst>
-              <a:ext uri="{FF2B5EF4-FFF2-40B4-BE49-F238E27FC236}">
-                <a16:creationId xmlns:a16="http://schemas.microsoft.com/office/drawing/2014/main" id="{428AD86A-A5E4-402E-A2B6-6535032BC4E9}"/>
-              </a:ext>
-            </a:extLst>
-          </p:cNvPr>
-          <p:cNvGrpSpPr/>
-          <p:nvPr/>
-        </p:nvGrpSpPr>
-        <p:grpSpPr>
-          <a:xfrm>
-            <a:off x="1623671" y="6582473"/>
-            <a:ext cx="3945957" cy="1704521"/>
-            <a:chOff x="415615" y="6694434"/>
-            <a:chExt cx="3945957" cy="1704521"/>
-          </a:xfrm>
-        </p:grpSpPr>
-        <p:pic>
-          <p:nvPicPr>
-            <p:cNvPr id="6" name="그림 5">
-              <a:extLst>
-                <a:ext uri="{FF2B5EF4-FFF2-40B4-BE49-F238E27FC236}">
-                  <a16:creationId xmlns:a16="http://schemas.microsoft.com/office/drawing/2014/main" id="{20EF6E07-8454-4241-83E3-BD25ECE6EF82}"/>
-                </a:ext>
-              </a:extLst>
-            </p:cNvPr>
-            <p:cNvPicPr>
-              <a:picLocks noChangeAspect="1"/>
-            </p:cNvPicPr>
-            <p:nvPr/>
-          </p:nvPicPr>
-          <p:blipFill rotWithShape="1">
-            <a:blip r:embed="rId4"/>
-            <a:srcRect l="3943" t="64773" r="38518"/>
-            <a:stretch/>
-          </p:blipFill>
-          <p:spPr>
-            <a:xfrm>
-              <a:off x="415615" y="6694434"/>
-              <a:ext cx="3945957" cy="1704521"/>
-            </a:xfrm>
-            <a:prstGeom prst="rect">
-              <a:avLst/>
-            </a:prstGeom>
-          </p:spPr>
-        </p:pic>
-        <p:sp>
-          <p:nvSpPr>
-            <p:cNvPr id="7" name="TextBox 6">
-              <a:extLst>
-                <a:ext uri="{FF2B5EF4-FFF2-40B4-BE49-F238E27FC236}">
-                  <a16:creationId xmlns:a16="http://schemas.microsoft.com/office/drawing/2014/main" id="{07A2CB61-19CC-4D7A-885A-97E5BCEF1922}"/>
-                </a:ext>
-              </a:extLst>
-            </p:cNvPr>
-            <p:cNvSpPr txBox="1"/>
-            <p:nvPr/>
-          </p:nvSpPr>
-          <p:spPr>
-            <a:xfrm>
-              <a:off x="1444403" y="7772400"/>
-              <a:ext cx="361383" cy="461665"/>
-            </a:xfrm>
-            <a:prstGeom prst="rect">
-              <a:avLst/>
-            </a:prstGeom>
-            <a:solidFill>
-              <a:schemeClr val="accent4">
-                <a:lumMod val="20000"/>
-                <a:lumOff val="80000"/>
-              </a:schemeClr>
-            </a:solidFill>
-          </p:spPr>
-          <p:txBody>
-            <a:bodyPr wrap="square" rtlCol="0">
-              <a:spAutoFit/>
-            </a:bodyPr>
-            <a:lstStyle/>
-            <a:p>
-              <a:pPr algn="ctr"/>
-              <a:r>
-                <a:rPr lang="en-US" altLang="ko-KR" sz="2400" b="1" dirty="0"/>
-                <a:t>0</a:t>
-              </a:r>
-              <a:endParaRPr lang="ko-KR" altLang="en-US" sz="2400" b="1" dirty="0"/>
-            </a:p>
-          </p:txBody>
-        </p:sp>
-        <p:sp>
-          <p:nvSpPr>
-            <p:cNvPr id="8" name="TextBox 7">
-              <a:extLst>
-                <a:ext uri="{FF2B5EF4-FFF2-40B4-BE49-F238E27FC236}">
-                  <a16:creationId xmlns:a16="http://schemas.microsoft.com/office/drawing/2014/main" id="{6E3F2A02-4F41-4638-BD27-1F15371864B1}"/>
-                </a:ext>
-              </a:extLst>
-            </p:cNvPr>
-            <p:cNvSpPr txBox="1"/>
-            <p:nvPr/>
-          </p:nvSpPr>
-          <p:spPr>
-            <a:xfrm>
-              <a:off x="1961880" y="7772400"/>
-              <a:ext cx="361383" cy="461665"/>
-            </a:xfrm>
-            <a:prstGeom prst="rect">
-              <a:avLst/>
-            </a:prstGeom>
-            <a:solidFill>
-              <a:schemeClr val="accent4">
-                <a:lumMod val="20000"/>
-                <a:lumOff val="80000"/>
-              </a:schemeClr>
-            </a:solidFill>
-          </p:spPr>
-          <p:txBody>
-            <a:bodyPr wrap="square" rtlCol="0">
-              <a:spAutoFit/>
-            </a:bodyPr>
-            <a:lstStyle/>
-            <a:p>
-              <a:pPr algn="ctr"/>
-              <a:r>
-                <a:rPr lang="en-US" altLang="ko-KR" sz="2400" b="1" dirty="0"/>
-                <a:t>0</a:t>
-              </a:r>
-              <a:endParaRPr lang="ko-KR" altLang="en-US" sz="2400" b="1" dirty="0"/>
-            </a:p>
-          </p:txBody>
-        </p:sp>
-        <p:sp>
-          <p:nvSpPr>
-            <p:cNvPr id="9" name="TextBox 8">
-              <a:extLst>
-                <a:ext uri="{FF2B5EF4-FFF2-40B4-BE49-F238E27FC236}">
-                  <a16:creationId xmlns:a16="http://schemas.microsoft.com/office/drawing/2014/main" id="{5E732475-1103-4CD9-B8D5-1ABB285359F4}"/>
-                </a:ext>
-              </a:extLst>
-            </p:cNvPr>
-            <p:cNvSpPr txBox="1"/>
-            <p:nvPr/>
-          </p:nvSpPr>
-          <p:spPr>
-            <a:xfrm>
-              <a:off x="2502060" y="7772400"/>
-              <a:ext cx="361383" cy="461665"/>
-            </a:xfrm>
-            <a:prstGeom prst="rect">
-              <a:avLst/>
-            </a:prstGeom>
-            <a:solidFill>
-              <a:schemeClr val="accent4">
-                <a:lumMod val="20000"/>
-                <a:lumOff val="80000"/>
-              </a:schemeClr>
-            </a:solidFill>
-          </p:spPr>
-          <p:txBody>
-            <a:bodyPr wrap="square" rtlCol="0">
-              <a:spAutoFit/>
-            </a:bodyPr>
-            <a:lstStyle/>
-            <a:p>
-              <a:pPr algn="ctr"/>
-              <a:r>
-                <a:rPr lang="en-US" altLang="ko-KR" sz="2400" b="1" dirty="0"/>
-                <a:t>0</a:t>
-              </a:r>
-              <a:endParaRPr lang="ko-KR" altLang="en-US" sz="2400" b="1" dirty="0"/>
-            </a:p>
-          </p:txBody>
-        </p:sp>
-        <p:sp>
-          <p:nvSpPr>
-            <p:cNvPr id="10" name="TextBox 9">
-              <a:extLst>
-                <a:ext uri="{FF2B5EF4-FFF2-40B4-BE49-F238E27FC236}">
-                  <a16:creationId xmlns:a16="http://schemas.microsoft.com/office/drawing/2014/main" id="{AB535466-1640-4D23-A399-28D263685568}"/>
-                </a:ext>
-              </a:extLst>
-            </p:cNvPr>
-            <p:cNvSpPr txBox="1"/>
-            <p:nvPr/>
-          </p:nvSpPr>
-          <p:spPr>
-            <a:xfrm>
-              <a:off x="2979057" y="7772400"/>
-              <a:ext cx="361383" cy="461665"/>
-            </a:xfrm>
-            <a:prstGeom prst="rect">
-              <a:avLst/>
-            </a:prstGeom>
-            <a:solidFill>
-              <a:schemeClr val="accent4">
-                <a:lumMod val="20000"/>
-                <a:lumOff val="80000"/>
-              </a:schemeClr>
-            </a:solidFill>
-          </p:spPr>
-          <p:txBody>
-            <a:bodyPr wrap="square" rtlCol="0">
-              <a:spAutoFit/>
-            </a:bodyPr>
-            <a:lstStyle/>
-            <a:p>
-              <a:pPr algn="ctr"/>
-              <a:r>
-                <a:rPr lang="en-US" altLang="ko-KR" sz="2400" b="1" dirty="0"/>
-                <a:t>0</a:t>
-              </a:r>
-              <a:endParaRPr lang="ko-KR" altLang="en-US" sz="2400" b="1" dirty="0"/>
-            </a:p>
-          </p:txBody>
-        </p:sp>
-        <p:sp>
-          <p:nvSpPr>
-            <p:cNvPr id="11" name="TextBox 10">
-              <a:extLst>
-                <a:ext uri="{FF2B5EF4-FFF2-40B4-BE49-F238E27FC236}">
-                  <a16:creationId xmlns:a16="http://schemas.microsoft.com/office/drawing/2014/main" id="{75E1BA92-D013-49D0-90F1-7081256FD484}"/>
-                </a:ext>
-              </a:extLst>
-            </p:cNvPr>
-            <p:cNvSpPr txBox="1"/>
-            <p:nvPr/>
-          </p:nvSpPr>
-          <p:spPr>
-            <a:xfrm>
-              <a:off x="824282" y="7772399"/>
-              <a:ext cx="361383" cy="461665"/>
-            </a:xfrm>
-            <a:prstGeom prst="rect">
-              <a:avLst/>
-            </a:prstGeom>
-            <a:solidFill>
-              <a:schemeClr val="accent4">
-                <a:lumMod val="20000"/>
-                <a:lumOff val="80000"/>
-              </a:schemeClr>
-            </a:solidFill>
-          </p:spPr>
-          <p:txBody>
-            <a:bodyPr wrap="square" rtlCol="0">
-              <a:spAutoFit/>
-            </a:bodyPr>
-            <a:lstStyle/>
-            <a:p>
-              <a:pPr algn="ctr"/>
-              <a:r>
-                <a:rPr lang="en-US" altLang="ko-KR" sz="2400" b="1" dirty="0"/>
-                <a:t>0</a:t>
-              </a:r>
-              <a:endParaRPr lang="ko-KR" altLang="en-US" sz="2400" b="1" dirty="0"/>
-            </a:p>
-          </p:txBody>
-        </p:sp>
-        <p:sp>
-          <p:nvSpPr>
-            <p:cNvPr id="12" name="TextBox 11">
-              <a:extLst>
-                <a:ext uri="{FF2B5EF4-FFF2-40B4-BE49-F238E27FC236}">
-                  <a16:creationId xmlns:a16="http://schemas.microsoft.com/office/drawing/2014/main" id="{D2B4A732-B60B-4F41-BCDE-08F9B3AF92B5}"/>
-                </a:ext>
-              </a:extLst>
-            </p:cNvPr>
-            <p:cNvSpPr txBox="1"/>
-            <p:nvPr/>
-          </p:nvSpPr>
-          <p:spPr>
-            <a:xfrm>
-              <a:off x="3396916" y="7541566"/>
-              <a:ext cx="838200" cy="830997"/>
-            </a:xfrm>
-            <a:prstGeom prst="rect">
-              <a:avLst/>
-            </a:prstGeom>
-            <a:solidFill>
-              <a:schemeClr val="accent4">
-                <a:lumMod val="20000"/>
-                <a:lumOff val="80000"/>
-              </a:schemeClr>
-            </a:solidFill>
-          </p:spPr>
-          <p:txBody>
-            <a:bodyPr wrap="square" rtlCol="0">
-              <a:spAutoFit/>
-            </a:bodyPr>
-            <a:lstStyle/>
-            <a:p>
-              <a:pPr algn="ctr"/>
-              <a:endParaRPr lang="en-US" altLang="ko-KR" sz="2400" b="1" dirty="0"/>
-            </a:p>
-            <a:p>
-              <a:pPr algn="ctr"/>
-              <a:endParaRPr lang="en-US" altLang="ko-KR" sz="2400" b="1" dirty="0"/>
-            </a:p>
-          </p:txBody>
-        </p:sp>
-      </p:grpSp>
-      <p:pic>
-        <p:nvPicPr>
-          <p:cNvPr id="13" name="그림 12">
-            <a:extLst>
-              <a:ext uri="{FF2B5EF4-FFF2-40B4-BE49-F238E27FC236}">
-                <a16:creationId xmlns:a16="http://schemas.microsoft.com/office/drawing/2014/main" id="{942EAEC0-491B-49B3-A509-5818846EA015}"/>
-              </a:ext>
-            </a:extLst>
-          </p:cNvPr>
-          <p:cNvPicPr>
-            <a:picLocks noChangeAspect="1"/>
-          </p:cNvPicPr>
-          <p:nvPr/>
-        </p:nvPicPr>
-        <p:blipFill rotWithShape="1">
-          <a:blip r:embed="rId5"/>
-          <a:srcRect l="10709" t="13077" r="17216" b="18631"/>
-          <a:stretch/>
-        </p:blipFill>
-        <p:spPr>
-          <a:xfrm>
-            <a:off x="-62350" y="4056448"/>
-            <a:ext cx="1686021" cy="1439531"/>
-          </a:xfrm>
-          <a:prstGeom prst="rect">
-            <a:avLst/>
-          </a:prstGeom>
-        </p:spPr>
-      </p:pic>
-    </p:spTree>
-    <p:extLst>
-      <p:ext uri="{BB962C8B-B14F-4D97-AF65-F5344CB8AC3E}">
-        <p14:creationId xmlns:p14="http://schemas.microsoft.com/office/powerpoint/2010/main" val="542978827"/>
-      </p:ext>
-    </p:extLst>
-  </p:cSld>
-  <p:clrMapOvr>
-    <a:masterClrMapping/>
-  </p:clrMapOvr>
-</p:sld>
-</file>
-
-<file path=ppt/slides/slide11.xml><?xml version="1.0" encoding="utf-8"?>
 <p:sld xmlns:a="http://schemas.openxmlformats.org/drawingml/2006/main" xmlns:r="http://schemas.openxmlformats.org/officeDocument/2006/relationships" xmlns:p="http://schemas.openxmlformats.org/presentationml/2006/main">
   <p:cSld>
     <p:spTree>
@@ -5928,36 +5518,6 @@
           <a:chExt cx="0" cy="0"/>
         </a:xfrm>
       </p:grpSpPr>
-    </p:spTree>
-    <p:extLst>
-      <p:ext uri="{BB962C8B-B14F-4D97-AF65-F5344CB8AC3E}">
-        <p14:creationId xmlns:p14="http://schemas.microsoft.com/office/powerpoint/2010/main" val="2677880729"/>
-      </p:ext>
-    </p:extLst>
-  </p:cSld>
-  <p:clrMapOvr>
-    <a:masterClrMapping/>
-  </p:clrMapOvr>
-</p:sld>
-</file>
-
-<file path=ppt/slides/slide5.xml><?xml version="1.0" encoding="utf-8"?>
-<p:sld xmlns:a="http://schemas.openxmlformats.org/drawingml/2006/main" xmlns:r="http://schemas.openxmlformats.org/officeDocument/2006/relationships" xmlns:p="http://schemas.openxmlformats.org/presentationml/2006/main">
-  <p:cSld>
-    <p:spTree>
-      <p:nvGrpSpPr>
-        <p:cNvPr id="1" name=""/>
-        <p:cNvGrpSpPr/>
-        <p:nvPr/>
-      </p:nvGrpSpPr>
-      <p:grpSpPr>
-        <a:xfrm>
-          <a:off x="0" y="0"/>
-          <a:ext cx="0" cy="0"/>
-          <a:chOff x="0" y="0"/>
-          <a:chExt cx="0" cy="0"/>
-        </a:xfrm>
-      </p:grpSpPr>
       <p:pic>
         <p:nvPicPr>
           <p:cNvPr id="4" name="그림 3">
@@ -6001,7 +5561,7 @@
 </p:sld>
 </file>
 
-<file path=ppt/slides/slide6.xml><?xml version="1.0" encoding="utf-8"?>
+<file path=ppt/slides/slide5.xml><?xml version="1.0" encoding="utf-8"?>
 <p:sld xmlns:a="http://schemas.openxmlformats.org/drawingml/2006/main" xmlns:r="http://schemas.openxmlformats.org/officeDocument/2006/relationships" xmlns:p="http://schemas.openxmlformats.org/presentationml/2006/main">
   <p:cSld>
     <p:spTree>
@@ -6180,7 +5740,7 @@
 </p:sld>
 </file>
 
-<file path=ppt/slides/slide7.xml><?xml version="1.0" encoding="utf-8"?>
+<file path=ppt/slides/slide6.xml><?xml version="1.0" encoding="utf-8"?>
 <p:sld xmlns:a="http://schemas.openxmlformats.org/drawingml/2006/main" xmlns:r="http://schemas.openxmlformats.org/officeDocument/2006/relationships" xmlns:p="http://schemas.openxmlformats.org/presentationml/2006/main">
   <p:cSld>
     <p:spTree>
@@ -6240,7 +5800,7 @@
 </p:sld>
 </file>
 
-<file path=ppt/slides/slide8.xml><?xml version="1.0" encoding="utf-8"?>
+<file path=ppt/slides/slide7.xml><?xml version="1.0" encoding="utf-8"?>
 <p:sld xmlns:a="http://schemas.openxmlformats.org/drawingml/2006/main" xmlns:r="http://schemas.openxmlformats.org/officeDocument/2006/relationships" xmlns:p="http://schemas.openxmlformats.org/presentationml/2006/main">
   <p:cSld>
     <p:spTree>
@@ -6522,7 +6082,7 @@
 </p:sld>
 </file>
 
-<file path=ppt/slides/slide9.xml><?xml version="1.0" encoding="utf-8"?>
+<file path=ppt/slides/slide8.xml><?xml version="1.0" encoding="utf-8"?>
 <p:sld xmlns:a="http://schemas.openxmlformats.org/drawingml/2006/main" xmlns:r="http://schemas.openxmlformats.org/officeDocument/2006/relationships" xmlns:p="http://schemas.openxmlformats.org/presentationml/2006/main">
   <p:cSld>
     <p:spTree>
@@ -6573,6 +6133,430 @@
     <p:extLst>
       <p:ext uri="{BB962C8B-B14F-4D97-AF65-F5344CB8AC3E}">
         <p14:creationId xmlns:p14="http://schemas.microsoft.com/office/powerpoint/2010/main" val="2612017954"/>
+      </p:ext>
+    </p:extLst>
+  </p:cSld>
+  <p:clrMapOvr>
+    <a:masterClrMapping/>
+  </p:clrMapOvr>
+</p:sld>
+</file>
+
+<file path=ppt/slides/slide9.xml><?xml version="1.0" encoding="utf-8"?>
+<p:sld xmlns:a="http://schemas.openxmlformats.org/drawingml/2006/main" xmlns:r="http://schemas.openxmlformats.org/officeDocument/2006/relationships" xmlns:p="http://schemas.openxmlformats.org/presentationml/2006/main">
+  <p:cSld>
+    <p:spTree>
+      <p:nvGrpSpPr>
+        <p:cNvPr id="1" name=""/>
+        <p:cNvGrpSpPr/>
+        <p:nvPr/>
+      </p:nvGrpSpPr>
+      <p:grpSpPr>
+        <a:xfrm>
+          <a:off x="0" y="0"/>
+          <a:ext cx="0" cy="0"/>
+          <a:chOff x="0" y="0"/>
+          <a:chExt cx="0" cy="0"/>
+        </a:xfrm>
+      </p:grpSpPr>
+      <p:pic>
+        <p:nvPicPr>
+          <p:cNvPr id="4" name="그림 3">
+            <a:extLst>
+              <a:ext uri="{FF2B5EF4-FFF2-40B4-BE49-F238E27FC236}">
+                <a16:creationId xmlns:a16="http://schemas.microsoft.com/office/drawing/2014/main" id="{3778F59C-F9D3-4F84-B26F-9C79BD015813}"/>
+              </a:ext>
+            </a:extLst>
+          </p:cNvPr>
+          <p:cNvPicPr>
+            <a:picLocks noChangeAspect="1"/>
+          </p:cNvPicPr>
+          <p:nvPr/>
+        </p:nvPicPr>
+        <p:blipFill rotWithShape="1">
+          <a:blip r:embed="rId3"/>
+          <a:srcRect t="1320"/>
+          <a:stretch/>
+        </p:blipFill>
+        <p:spPr>
+          <a:xfrm>
+            <a:off x="316448" y="521207"/>
+            <a:ext cx="5325218" cy="5659103"/>
+          </a:xfrm>
+          <a:prstGeom prst="rect">
+            <a:avLst/>
+          </a:prstGeom>
+        </p:spPr>
+      </p:pic>
+      <p:pic>
+        <p:nvPicPr>
+          <p:cNvPr id="5" name="그림 4">
+            <a:extLst>
+              <a:ext uri="{FF2B5EF4-FFF2-40B4-BE49-F238E27FC236}">
+                <a16:creationId xmlns:a16="http://schemas.microsoft.com/office/drawing/2014/main" id="{7CAF8964-D187-4EA8-BB52-A277B6508912}"/>
+              </a:ext>
+            </a:extLst>
+          </p:cNvPr>
+          <p:cNvPicPr>
+            <a:picLocks noChangeAspect="1"/>
+          </p:cNvPicPr>
+          <p:nvPr/>
+        </p:nvPicPr>
+        <p:blipFill rotWithShape="1">
+          <a:blip r:embed="rId4"/>
+          <a:srcRect b="36127"/>
+          <a:stretch/>
+        </p:blipFill>
+        <p:spPr>
+          <a:xfrm>
+            <a:off x="1623671" y="4087286"/>
+            <a:ext cx="5234329" cy="2358910"/>
+          </a:xfrm>
+          <a:prstGeom prst="rect">
+            <a:avLst/>
+          </a:prstGeom>
+          <a:ln>
+            <a:solidFill>
+              <a:schemeClr val="tx1"/>
+            </a:solidFill>
+          </a:ln>
+        </p:spPr>
+      </p:pic>
+      <p:grpSp>
+        <p:nvGrpSpPr>
+          <p:cNvPr id="14" name="그룹 13">
+            <a:extLst>
+              <a:ext uri="{FF2B5EF4-FFF2-40B4-BE49-F238E27FC236}">
+                <a16:creationId xmlns:a16="http://schemas.microsoft.com/office/drawing/2014/main" id="{428AD86A-A5E4-402E-A2B6-6535032BC4E9}"/>
+              </a:ext>
+            </a:extLst>
+          </p:cNvPr>
+          <p:cNvGrpSpPr/>
+          <p:nvPr/>
+        </p:nvGrpSpPr>
+        <p:grpSpPr>
+          <a:xfrm>
+            <a:off x="1623671" y="6582473"/>
+            <a:ext cx="3945957" cy="1704521"/>
+            <a:chOff x="415615" y="6694434"/>
+            <a:chExt cx="3945957" cy="1704521"/>
+          </a:xfrm>
+        </p:grpSpPr>
+        <p:pic>
+          <p:nvPicPr>
+            <p:cNvPr id="6" name="그림 5">
+              <a:extLst>
+                <a:ext uri="{FF2B5EF4-FFF2-40B4-BE49-F238E27FC236}">
+                  <a16:creationId xmlns:a16="http://schemas.microsoft.com/office/drawing/2014/main" id="{20EF6E07-8454-4241-83E3-BD25ECE6EF82}"/>
+                </a:ext>
+              </a:extLst>
+            </p:cNvPr>
+            <p:cNvPicPr>
+              <a:picLocks noChangeAspect="1"/>
+            </p:cNvPicPr>
+            <p:nvPr/>
+          </p:nvPicPr>
+          <p:blipFill rotWithShape="1">
+            <a:blip r:embed="rId4"/>
+            <a:srcRect l="3943" t="64773" r="38518"/>
+            <a:stretch/>
+          </p:blipFill>
+          <p:spPr>
+            <a:xfrm>
+              <a:off x="415615" y="6694434"/>
+              <a:ext cx="3945957" cy="1704521"/>
+            </a:xfrm>
+            <a:prstGeom prst="rect">
+              <a:avLst/>
+            </a:prstGeom>
+          </p:spPr>
+        </p:pic>
+        <p:sp>
+          <p:nvSpPr>
+            <p:cNvPr id="7" name="TextBox 6">
+              <a:extLst>
+                <a:ext uri="{FF2B5EF4-FFF2-40B4-BE49-F238E27FC236}">
+                  <a16:creationId xmlns:a16="http://schemas.microsoft.com/office/drawing/2014/main" id="{07A2CB61-19CC-4D7A-885A-97E5BCEF1922}"/>
+                </a:ext>
+              </a:extLst>
+            </p:cNvPr>
+            <p:cNvSpPr txBox="1"/>
+            <p:nvPr/>
+          </p:nvSpPr>
+          <p:spPr>
+            <a:xfrm>
+              <a:off x="1444403" y="7772400"/>
+              <a:ext cx="361383" cy="461665"/>
+            </a:xfrm>
+            <a:prstGeom prst="rect">
+              <a:avLst/>
+            </a:prstGeom>
+            <a:solidFill>
+              <a:schemeClr val="accent4">
+                <a:lumMod val="20000"/>
+                <a:lumOff val="80000"/>
+              </a:schemeClr>
+            </a:solidFill>
+          </p:spPr>
+          <p:txBody>
+            <a:bodyPr wrap="square" rtlCol="0">
+              <a:spAutoFit/>
+            </a:bodyPr>
+            <a:lstStyle/>
+            <a:p>
+              <a:pPr algn="ctr"/>
+              <a:r>
+                <a:rPr lang="en-US" altLang="ko-KR" sz="2400" b="1" dirty="0"/>
+                <a:t>0</a:t>
+              </a:r>
+              <a:endParaRPr lang="ko-KR" altLang="en-US" sz="2400" b="1" dirty="0"/>
+            </a:p>
+          </p:txBody>
+        </p:sp>
+        <p:sp>
+          <p:nvSpPr>
+            <p:cNvPr id="8" name="TextBox 7">
+              <a:extLst>
+                <a:ext uri="{FF2B5EF4-FFF2-40B4-BE49-F238E27FC236}">
+                  <a16:creationId xmlns:a16="http://schemas.microsoft.com/office/drawing/2014/main" id="{6E3F2A02-4F41-4638-BD27-1F15371864B1}"/>
+                </a:ext>
+              </a:extLst>
+            </p:cNvPr>
+            <p:cNvSpPr txBox="1"/>
+            <p:nvPr/>
+          </p:nvSpPr>
+          <p:spPr>
+            <a:xfrm>
+              <a:off x="1961880" y="7772400"/>
+              <a:ext cx="361383" cy="461665"/>
+            </a:xfrm>
+            <a:prstGeom prst="rect">
+              <a:avLst/>
+            </a:prstGeom>
+            <a:solidFill>
+              <a:schemeClr val="accent4">
+                <a:lumMod val="20000"/>
+                <a:lumOff val="80000"/>
+              </a:schemeClr>
+            </a:solidFill>
+          </p:spPr>
+          <p:txBody>
+            <a:bodyPr wrap="square" rtlCol="0">
+              <a:spAutoFit/>
+            </a:bodyPr>
+            <a:lstStyle/>
+            <a:p>
+              <a:pPr algn="ctr"/>
+              <a:r>
+                <a:rPr lang="en-US" altLang="ko-KR" sz="2400" b="1" dirty="0"/>
+                <a:t>0</a:t>
+              </a:r>
+              <a:endParaRPr lang="ko-KR" altLang="en-US" sz="2400" b="1" dirty="0"/>
+            </a:p>
+          </p:txBody>
+        </p:sp>
+        <p:sp>
+          <p:nvSpPr>
+            <p:cNvPr id="9" name="TextBox 8">
+              <a:extLst>
+                <a:ext uri="{FF2B5EF4-FFF2-40B4-BE49-F238E27FC236}">
+                  <a16:creationId xmlns:a16="http://schemas.microsoft.com/office/drawing/2014/main" id="{5E732475-1103-4CD9-B8D5-1ABB285359F4}"/>
+                </a:ext>
+              </a:extLst>
+            </p:cNvPr>
+            <p:cNvSpPr txBox="1"/>
+            <p:nvPr/>
+          </p:nvSpPr>
+          <p:spPr>
+            <a:xfrm>
+              <a:off x="2502060" y="7772400"/>
+              <a:ext cx="361383" cy="461665"/>
+            </a:xfrm>
+            <a:prstGeom prst="rect">
+              <a:avLst/>
+            </a:prstGeom>
+            <a:solidFill>
+              <a:schemeClr val="accent4">
+                <a:lumMod val="20000"/>
+                <a:lumOff val="80000"/>
+              </a:schemeClr>
+            </a:solidFill>
+          </p:spPr>
+          <p:txBody>
+            <a:bodyPr wrap="square" rtlCol="0">
+              <a:spAutoFit/>
+            </a:bodyPr>
+            <a:lstStyle/>
+            <a:p>
+              <a:pPr algn="ctr"/>
+              <a:r>
+                <a:rPr lang="en-US" altLang="ko-KR" sz="2400" b="1" dirty="0"/>
+                <a:t>0</a:t>
+              </a:r>
+              <a:endParaRPr lang="ko-KR" altLang="en-US" sz="2400" b="1" dirty="0"/>
+            </a:p>
+          </p:txBody>
+        </p:sp>
+        <p:sp>
+          <p:nvSpPr>
+            <p:cNvPr id="10" name="TextBox 9">
+              <a:extLst>
+                <a:ext uri="{FF2B5EF4-FFF2-40B4-BE49-F238E27FC236}">
+                  <a16:creationId xmlns:a16="http://schemas.microsoft.com/office/drawing/2014/main" id="{AB535466-1640-4D23-A399-28D263685568}"/>
+                </a:ext>
+              </a:extLst>
+            </p:cNvPr>
+            <p:cNvSpPr txBox="1"/>
+            <p:nvPr/>
+          </p:nvSpPr>
+          <p:spPr>
+            <a:xfrm>
+              <a:off x="2979057" y="7772400"/>
+              <a:ext cx="361383" cy="461665"/>
+            </a:xfrm>
+            <a:prstGeom prst="rect">
+              <a:avLst/>
+            </a:prstGeom>
+            <a:solidFill>
+              <a:schemeClr val="accent4">
+                <a:lumMod val="20000"/>
+                <a:lumOff val="80000"/>
+              </a:schemeClr>
+            </a:solidFill>
+          </p:spPr>
+          <p:txBody>
+            <a:bodyPr wrap="square" rtlCol="0">
+              <a:spAutoFit/>
+            </a:bodyPr>
+            <a:lstStyle/>
+            <a:p>
+              <a:pPr algn="ctr"/>
+              <a:r>
+                <a:rPr lang="en-US" altLang="ko-KR" sz="2400" b="1" dirty="0"/>
+                <a:t>0</a:t>
+              </a:r>
+              <a:endParaRPr lang="ko-KR" altLang="en-US" sz="2400" b="1" dirty="0"/>
+            </a:p>
+          </p:txBody>
+        </p:sp>
+        <p:sp>
+          <p:nvSpPr>
+            <p:cNvPr id="11" name="TextBox 10">
+              <a:extLst>
+                <a:ext uri="{FF2B5EF4-FFF2-40B4-BE49-F238E27FC236}">
+                  <a16:creationId xmlns:a16="http://schemas.microsoft.com/office/drawing/2014/main" id="{75E1BA92-D013-49D0-90F1-7081256FD484}"/>
+                </a:ext>
+              </a:extLst>
+            </p:cNvPr>
+            <p:cNvSpPr txBox="1"/>
+            <p:nvPr/>
+          </p:nvSpPr>
+          <p:spPr>
+            <a:xfrm>
+              <a:off x="824282" y="7772399"/>
+              <a:ext cx="361383" cy="461665"/>
+            </a:xfrm>
+            <a:prstGeom prst="rect">
+              <a:avLst/>
+            </a:prstGeom>
+            <a:solidFill>
+              <a:schemeClr val="accent4">
+                <a:lumMod val="20000"/>
+                <a:lumOff val="80000"/>
+              </a:schemeClr>
+            </a:solidFill>
+          </p:spPr>
+          <p:txBody>
+            <a:bodyPr wrap="square" rtlCol="0">
+              <a:spAutoFit/>
+            </a:bodyPr>
+            <a:lstStyle/>
+            <a:p>
+              <a:pPr algn="ctr"/>
+              <a:r>
+                <a:rPr lang="en-US" altLang="ko-KR" sz="2400" b="1" dirty="0"/>
+                <a:t>0</a:t>
+              </a:r>
+              <a:endParaRPr lang="ko-KR" altLang="en-US" sz="2400" b="1" dirty="0"/>
+            </a:p>
+          </p:txBody>
+        </p:sp>
+        <p:sp>
+          <p:nvSpPr>
+            <p:cNvPr id="12" name="TextBox 11">
+              <a:extLst>
+                <a:ext uri="{FF2B5EF4-FFF2-40B4-BE49-F238E27FC236}">
+                  <a16:creationId xmlns:a16="http://schemas.microsoft.com/office/drawing/2014/main" id="{D2B4A732-B60B-4F41-BCDE-08F9B3AF92B5}"/>
+                </a:ext>
+              </a:extLst>
+            </p:cNvPr>
+            <p:cNvSpPr txBox="1"/>
+            <p:nvPr/>
+          </p:nvSpPr>
+          <p:spPr>
+            <a:xfrm>
+              <a:off x="3396916" y="7541566"/>
+              <a:ext cx="838200" cy="830997"/>
+            </a:xfrm>
+            <a:prstGeom prst="rect">
+              <a:avLst/>
+            </a:prstGeom>
+            <a:solidFill>
+              <a:schemeClr val="accent4">
+                <a:lumMod val="20000"/>
+                <a:lumOff val="80000"/>
+              </a:schemeClr>
+            </a:solidFill>
+          </p:spPr>
+          <p:txBody>
+            <a:bodyPr wrap="square" rtlCol="0">
+              <a:spAutoFit/>
+            </a:bodyPr>
+            <a:lstStyle/>
+            <a:p>
+              <a:pPr algn="ctr"/>
+              <a:endParaRPr lang="en-US" altLang="ko-KR" sz="2400" b="1" dirty="0"/>
+            </a:p>
+            <a:p>
+              <a:pPr algn="ctr"/>
+              <a:endParaRPr lang="en-US" altLang="ko-KR" sz="2400" b="1" dirty="0"/>
+            </a:p>
+          </p:txBody>
+        </p:sp>
+      </p:grpSp>
+      <p:pic>
+        <p:nvPicPr>
+          <p:cNvPr id="13" name="그림 12">
+            <a:extLst>
+              <a:ext uri="{FF2B5EF4-FFF2-40B4-BE49-F238E27FC236}">
+                <a16:creationId xmlns:a16="http://schemas.microsoft.com/office/drawing/2014/main" id="{942EAEC0-491B-49B3-A509-5818846EA015}"/>
+              </a:ext>
+            </a:extLst>
+          </p:cNvPr>
+          <p:cNvPicPr>
+            <a:picLocks noChangeAspect="1"/>
+          </p:cNvPicPr>
+          <p:nvPr/>
+        </p:nvPicPr>
+        <p:blipFill rotWithShape="1">
+          <a:blip r:embed="rId5"/>
+          <a:srcRect l="10709" t="13077" r="17216" b="18631"/>
+          <a:stretch/>
+        </p:blipFill>
+        <p:spPr>
+          <a:xfrm>
+            <a:off x="-62350" y="4056448"/>
+            <a:ext cx="1686021" cy="1439531"/>
+          </a:xfrm>
+          <a:prstGeom prst="rect">
+            <a:avLst/>
+          </a:prstGeom>
+        </p:spPr>
+      </p:pic>
+    </p:spTree>
+    <p:extLst>
+      <p:ext uri="{BB962C8B-B14F-4D97-AF65-F5344CB8AC3E}">
+        <p14:creationId xmlns:p14="http://schemas.microsoft.com/office/powerpoint/2010/main" val="542978827"/>
       </p:ext>
     </p:extLst>
   </p:cSld>
